--- a/01-loopy.pptx
+++ b/01-loopy.pptx
@@ -5,7 +5,7 @@
     <p:sldMasterId id="2147483648" r:id="rId1"/>
   </p:sldMasterIdLst>
   <p:notesMasterIdLst>
-    <p:notesMasterId r:id="rId24"/>
+    <p:notesMasterId r:id="rId25"/>
   </p:notesMasterIdLst>
   <p:sldIdLst>
     <p:sldId id="297" r:id="rId2"/>
@@ -30,6 +30,7 @@
     <p:sldId id="283" r:id="rId21"/>
     <p:sldId id="284" r:id="rId22"/>
     <p:sldId id="285" r:id="rId23"/>
+    <p:sldId id="299" r:id="rId24"/>
   </p:sldIdLst>
   <p:sldSz cx="9144000" cy="6858000" type="screen4x3"/>
   <p:notesSz cx="6858000" cy="9144000"/>
@@ -7950,6 +7951,162 @@
         </p:txBody>
       </p:sp>
     </p:spTree>
+  </p:cSld>
+  <p:clrMapOvr>
+    <a:masterClrMapping/>
+  </p:clrMapOvr>
+</p:sld>
+</file>
+
+<file path=ppt/slides/slide23.xml><?xml version="1.0" encoding="utf-8"?>
+<p:sld xmlns:a="http://schemas.openxmlformats.org/drawingml/2006/main" xmlns:r="http://schemas.openxmlformats.org/officeDocument/2006/relationships" xmlns:p="http://schemas.openxmlformats.org/presentationml/2006/main">
+  <p:cSld>
+    <p:spTree>
+      <p:nvGrpSpPr>
+        <p:cNvPr id="1" name=""/>
+        <p:cNvGrpSpPr/>
+        <p:nvPr/>
+      </p:nvGrpSpPr>
+      <p:grpSpPr>
+        <a:xfrm>
+          <a:off x="0" y="0"/>
+          <a:ext cx="0" cy="0"/>
+          <a:chOff x="0" y="0"/>
+          <a:chExt cx="0" cy="0"/>
+        </a:xfrm>
+      </p:grpSpPr>
+      <p:sp>
+        <p:nvSpPr>
+          <p:cNvPr id="2" name="标题 1">
+            <a:extLst>
+              <a:ext uri="{FF2B5EF4-FFF2-40B4-BE49-F238E27FC236}">
+                <a16:creationId xmlns:a16="http://schemas.microsoft.com/office/drawing/2014/main" id="{967F46D6-7CCA-4B4B-B1FD-CC96D4FFF0F6}"/>
+              </a:ext>
+            </a:extLst>
+          </p:cNvPr>
+          <p:cNvSpPr>
+            <a:spLocks noGrp="1"/>
+          </p:cNvSpPr>
+          <p:nvPr>
+            <p:ph type="title"/>
+          </p:nvPr>
+        </p:nvSpPr>
+        <p:spPr/>
+        <p:txBody>
+          <a:bodyPr/>
+          <a:lstStyle/>
+          <a:p>
+            <a:r>
+              <a:rPr lang="zh-CN" altLang="en-US" dirty="0"/>
+              <a:t>谢谢！</a:t>
+            </a:r>
+          </a:p>
+        </p:txBody>
+      </p:sp>
+      <p:sp>
+        <p:nvSpPr>
+          <p:cNvPr id="4" name="内容占位符 2">
+            <a:extLst>
+              <a:ext uri="{FF2B5EF4-FFF2-40B4-BE49-F238E27FC236}">
+                <a16:creationId xmlns:a16="http://schemas.microsoft.com/office/drawing/2014/main" id="{0C172055-7F06-4D8F-AA3F-D04FA755D415}"/>
+              </a:ext>
+            </a:extLst>
+          </p:cNvPr>
+          <p:cNvSpPr>
+            <a:spLocks noGrp="1"/>
+          </p:cNvSpPr>
+          <p:nvPr>
+            <p:ph idx="1"/>
+          </p:nvPr>
+        </p:nvSpPr>
+        <p:spPr/>
+        <p:txBody>
+          <a:bodyPr/>
+          <a:lstStyle/>
+          <a:p>
+            <a:pPr marL="0" indent="0" algn="ctr">
+              <a:buNone/>
+            </a:pPr>
+            <a:r>
+              <a:rPr lang="en-US" altLang="zh-CN"/>
+              <a:t>01-loo.py</a:t>
+            </a:r>
+          </a:p>
+          <a:p>
+            <a:pPr marL="0" indent="0" algn="ctr">
+              <a:buNone/>
+            </a:pPr>
+            <a:r>
+              <a:rPr lang="zh-CN" altLang="en-US" dirty="0"/>
+              <a:t>基于循环的代码生成转换工具</a:t>
+            </a:r>
+            <a:endParaRPr lang="en-US" altLang="zh-CN" dirty="0"/>
+          </a:p>
+          <a:p>
+            <a:pPr marL="0" indent="0" algn="ctr">
+              <a:buNone/>
+            </a:pPr>
+            <a:endParaRPr lang="en-US" altLang="zh-CN" dirty="0"/>
+          </a:p>
+          <a:p>
+            <a:pPr marL="0" indent="0" algn="ctr">
+              <a:buNone/>
+            </a:pPr>
+            <a:endParaRPr lang="en-US" altLang="zh-CN" dirty="0"/>
+          </a:p>
+          <a:p>
+            <a:pPr marL="0" indent="0" algn="ctr">
+              <a:buNone/>
+            </a:pPr>
+            <a:r>
+              <a:rPr lang="zh-CN" altLang="en-US" dirty="0"/>
+              <a:t>何宪航 </a:t>
+            </a:r>
+            <a:r>
+              <a:rPr lang="en-US" altLang="zh-CN" dirty="0"/>
+              <a:t>| PB14011082</a:t>
+            </a:r>
+          </a:p>
+          <a:p>
+            <a:pPr marL="0" indent="0" algn="ctr">
+              <a:buNone/>
+            </a:pPr>
+            <a:r>
+              <a:rPr lang="zh-CN" altLang="en-US" dirty="0"/>
+              <a:t>范子健 </a:t>
+            </a:r>
+            <a:r>
+              <a:rPr lang="en-US" altLang="zh-CN" dirty="0"/>
+              <a:t>| PB14209127</a:t>
+            </a:r>
+          </a:p>
+          <a:p>
+            <a:pPr marL="0" indent="0" algn="ctr">
+              <a:buNone/>
+            </a:pPr>
+            <a:r>
+              <a:rPr lang="zh-CN" altLang="en-US" dirty="0"/>
+              <a:t>韦清     </a:t>
+            </a:r>
+            <a:r>
+              <a:rPr lang="en-US" altLang="zh-CN" dirty="0"/>
+              <a:t>| PB15000027</a:t>
+            </a:r>
+          </a:p>
+          <a:p>
+            <a:pPr marL="0" indent="0" algn="ctr">
+              <a:buNone/>
+            </a:pPr>
+            <a:endParaRPr lang="en-US" altLang="zh-CN" dirty="0"/>
+          </a:p>
+        </p:txBody>
+      </p:sp>
+    </p:spTree>
+    <p:extLst>
+      <p:ext uri="{BB962C8B-B14F-4D97-AF65-F5344CB8AC3E}">
+        <p14:creationId xmlns:p14="http://schemas.microsoft.com/office/powerpoint/2010/main" val="2921010002"/>
+      </p:ext>
+    </p:extLst>
   </p:cSld>
   <p:clrMapOvr>
     <a:masterClrMapping/>
